--- a/images/tutorials/opt_process.pptx
+++ b/images/tutorials/opt_process.pptx
@@ -104,6 +104,11 @@
       </a:defRPr>
     </a:lvl9pPr>
   </p:defaultTextStyle>
+  <p:extLst>
+    <p:ext uri="{EFAFB233-063F-42B5-8137-9DF3F51BA10A}">
+      <p15:sldGuideLst xmlns:p15="http://schemas.microsoft.com/office/powerpoint/2012/main"/>
+    </p:ext>
+  </p:extLst>
 </p:presentation>
 </file>
 
@@ -254,7 +259,7 @@
           <a:p>
             <a:fld id="{52D0D82B-2C9E-5F48-8F55-34F1553FF576}" type="datetimeFigureOut">
               <a:rPr lang="en-US" smtClean="0"/>
-              <a:t>8/2/25</a:t>
+              <a:t>8/3/25</a:t>
             </a:fld>
             <a:endParaRPr lang="en-US"/>
           </a:p>
@@ -452,7 +457,7 @@
           <a:p>
             <a:fld id="{52D0D82B-2C9E-5F48-8F55-34F1553FF576}" type="datetimeFigureOut">
               <a:rPr lang="en-US" smtClean="0"/>
-              <a:t>8/2/25</a:t>
+              <a:t>8/3/25</a:t>
             </a:fld>
             <a:endParaRPr lang="en-US"/>
           </a:p>
@@ -660,7 +665,7 @@
           <a:p>
             <a:fld id="{52D0D82B-2C9E-5F48-8F55-34F1553FF576}" type="datetimeFigureOut">
               <a:rPr lang="en-US" smtClean="0"/>
-              <a:t>8/2/25</a:t>
+              <a:t>8/3/25</a:t>
             </a:fld>
             <a:endParaRPr lang="en-US"/>
           </a:p>
@@ -858,7 +863,7 @@
           <a:p>
             <a:fld id="{52D0D82B-2C9E-5F48-8F55-34F1553FF576}" type="datetimeFigureOut">
               <a:rPr lang="en-US" smtClean="0"/>
-              <a:t>8/2/25</a:t>
+              <a:t>8/3/25</a:t>
             </a:fld>
             <a:endParaRPr lang="en-US"/>
           </a:p>
@@ -1133,7 +1138,7 @@
           <a:p>
             <a:fld id="{52D0D82B-2C9E-5F48-8F55-34F1553FF576}" type="datetimeFigureOut">
               <a:rPr lang="en-US" smtClean="0"/>
-              <a:t>8/2/25</a:t>
+              <a:t>8/3/25</a:t>
             </a:fld>
             <a:endParaRPr lang="en-US"/>
           </a:p>
@@ -1398,7 +1403,7 @@
           <a:p>
             <a:fld id="{52D0D82B-2C9E-5F48-8F55-34F1553FF576}" type="datetimeFigureOut">
               <a:rPr lang="en-US" smtClean="0"/>
-              <a:t>8/2/25</a:t>
+              <a:t>8/3/25</a:t>
             </a:fld>
             <a:endParaRPr lang="en-US"/>
           </a:p>
@@ -1810,7 +1815,7 @@
           <a:p>
             <a:fld id="{52D0D82B-2C9E-5F48-8F55-34F1553FF576}" type="datetimeFigureOut">
               <a:rPr lang="en-US" smtClean="0"/>
-              <a:t>8/2/25</a:t>
+              <a:t>8/3/25</a:t>
             </a:fld>
             <a:endParaRPr lang="en-US"/>
           </a:p>
@@ -1951,7 +1956,7 @@
           <a:p>
             <a:fld id="{52D0D82B-2C9E-5F48-8F55-34F1553FF576}" type="datetimeFigureOut">
               <a:rPr lang="en-US" smtClean="0"/>
-              <a:t>8/2/25</a:t>
+              <a:t>8/3/25</a:t>
             </a:fld>
             <a:endParaRPr lang="en-US"/>
           </a:p>
@@ -2064,7 +2069,7 @@
           <a:p>
             <a:fld id="{52D0D82B-2C9E-5F48-8F55-34F1553FF576}" type="datetimeFigureOut">
               <a:rPr lang="en-US" smtClean="0"/>
-              <a:t>8/2/25</a:t>
+              <a:t>8/3/25</a:t>
             </a:fld>
             <a:endParaRPr lang="en-US"/>
           </a:p>
@@ -2375,7 +2380,7 @@
           <a:p>
             <a:fld id="{52D0D82B-2C9E-5F48-8F55-34F1553FF576}" type="datetimeFigureOut">
               <a:rPr lang="en-US" smtClean="0"/>
-              <a:t>8/2/25</a:t>
+              <a:t>8/3/25</a:t>
             </a:fld>
             <a:endParaRPr lang="en-US"/>
           </a:p>
@@ -2663,7 +2668,7 @@
           <a:p>
             <a:fld id="{52D0D82B-2C9E-5F48-8F55-34F1553FF576}" type="datetimeFigureOut">
               <a:rPr lang="en-US" smtClean="0"/>
-              <a:t>8/2/25</a:t>
+              <a:t>8/3/25</a:t>
             </a:fld>
             <a:endParaRPr lang="en-US"/>
           </a:p>
@@ -2904,7 +2909,7 @@
           <a:p>
             <a:fld id="{52D0D82B-2C9E-5F48-8F55-34F1553FF576}" type="datetimeFigureOut">
               <a:rPr lang="en-US" smtClean="0"/>
-              <a:t>8/2/25</a:t>
+              <a:t>8/3/25</a:t>
             </a:fld>
             <a:endParaRPr lang="en-US"/>
           </a:p>
@@ -3366,9 +3371,9 @@
               <p:nvPr/>
             </p:nvSpPr>
             <p:spPr>
-              <a:xfrm>
-                <a:off x="3630381" y="3325521"/>
-                <a:ext cx="1141242" cy="706540"/>
+              <a:xfrm rot="17060478">
+                <a:off x="4039399" y="3574875"/>
+                <a:ext cx="1141242" cy="423899"/>
               </a:xfrm>
               <a:prstGeom prst="rect">
                 <a:avLst/>
@@ -3383,6 +3388,7 @@
               </a:bodyPr>
               <a:lstStyle/>
               <a:p>
+                <a:pPr/>
                 <a14:m>
                   <m:oMathPara xmlns:m="http://schemas.openxmlformats.org/officeDocument/2006/math">
                     <m:oMathParaPr>
@@ -3392,7 +3398,7 @@
                       <m:sSup>
                         <m:sSupPr>
                           <m:ctrlPr>
-                            <a:rPr lang="en-US" sz="4000" b="0" i="1" dirty="0" smtClean="0">
+                            <a:rPr lang="en-US" sz="2400" b="0" i="1" dirty="0" smtClean="0">
                               <a:solidFill>
                                 <a:srgbClr val="C00000"/>
                               </a:solidFill>
@@ -3404,7 +3410,7 @@
                           <m:sSup>
                             <m:sSupPr>
                               <m:ctrlPr>
-                                <a:rPr lang="en-US" sz="4000" b="0" i="1" dirty="0" smtClean="0">
+                                <a:rPr lang="en-US" sz="2400" b="0" i="1" dirty="0" smtClean="0">
                                   <a:solidFill>
                                     <a:srgbClr val="C00000"/>
                                   </a:solidFill>
@@ -3414,7 +3420,7 @@
                             </m:sSupPr>
                             <m:e>
                               <m:r>
-                                <a:rPr lang="en-US" sz="4000" b="0" i="1" dirty="0" smtClean="0">
+                                <a:rPr lang="en-US" sz="2400" b="0" i="1" dirty="0" smtClean="0">
                                   <a:solidFill>
                                     <a:srgbClr val="C00000"/>
                                   </a:solidFill>
@@ -3425,7 +3431,7 @@
                             </m:e>
                             <m:sup>
                               <m:r>
-                                <a:rPr lang="en-US" sz="4000" b="0" i="1" dirty="0" smtClean="0">
+                                <a:rPr lang="en-US" sz="2400" b="0" i="1" dirty="0" smtClean="0">
                                   <a:solidFill>
                                     <a:srgbClr val="C00000"/>
                                   </a:solidFill>
@@ -3439,7 +3445,7 @@
                             <m:accPr>
                               <m:chr m:val="⃗"/>
                               <m:ctrlPr>
-                                <a:rPr lang="en-US" sz="4000" i="1" dirty="0" smtClean="0">
+                                <a:rPr lang="en-US" sz="2400" i="1" dirty="0" smtClean="0">
                                   <a:solidFill>
                                     <a:srgbClr val="C00000"/>
                                   </a:solidFill>
@@ -3449,7 +3455,7 @@
                             </m:accPr>
                             <m:e>
                               <m:r>
-                                <a:rPr lang="en-US" sz="4000" b="0" i="1" dirty="0" smtClean="0">
+                                <a:rPr lang="en-US" sz="2400" b="0" i="1" dirty="0" smtClean="0">
                                   <a:solidFill>
                                     <a:srgbClr val="C00000"/>
                                   </a:solidFill>
@@ -3462,7 +3468,7 @@
                         </m:e>
                         <m:sup>
                           <m:r>
-                            <a:rPr lang="en-US" sz="4000" b="0" i="1" dirty="0" smtClean="0">
+                            <a:rPr lang="en-US" sz="2400" b="0" i="1" dirty="0" smtClean="0">
                               <a:solidFill>
                                 <a:srgbClr val="C00000"/>
                               </a:solidFill>
@@ -3475,6 +3481,7 @@
                     </m:oMath>
                   </m:oMathPara>
                 </a14:m>
+                <a:endParaRPr sz="1100" dirty="0"/>
               </a:p>
             </p:txBody>
           </p:sp>
@@ -3495,9 +3502,9 @@
               <p:nvPr/>
             </p:nvSpPr>
             <p:spPr>
-              <a:xfrm>
-                <a:off x="3630381" y="3325521"/>
-                <a:ext cx="1141242" cy="706540"/>
+              <a:xfrm rot="17060478">
+                <a:off x="4039399" y="3574875"/>
+                <a:ext cx="1141242" cy="423899"/>
               </a:xfrm>
               <a:prstGeom prst="rect">
                 <a:avLst/>
@@ -3505,7 +3512,7 @@
               <a:blipFill>
                 <a:blip r:embed="rId3"/>
                 <a:stretch>
-                  <a:fillRect l="-10000" t="-37500" r="-35556" b="-44643"/>
+                  <a:fillRect l="-3571"/>
                 </a:stretch>
               </a:blipFill>
             </p:spPr>
@@ -3540,8 +3547,8 @@
             </p:nvSpPr>
             <p:spPr>
               <a:xfrm>
-                <a:off x="3999745" y="4632326"/>
-                <a:ext cx="527179" cy="615553"/>
+                <a:off x="3999745" y="4646233"/>
+                <a:ext cx="527179" cy="369332"/>
               </a:xfrm>
               <a:prstGeom prst="rect">
                 <a:avLst/>
@@ -3556,6 +3563,7 @@
               </a:bodyPr>
               <a:lstStyle/>
               <a:p>
+                <a:pPr/>
                 <a14:m>
                   <m:oMathPara xmlns:m="http://schemas.openxmlformats.org/officeDocument/2006/math">
                     <m:oMathParaPr>
@@ -3565,7 +3573,7 @@
                       <m:sSup>
                         <m:sSupPr>
                           <m:ctrlPr>
-                            <a:rPr lang="en-US" sz="4000" b="0" i="1" dirty="0" smtClean="0">
+                            <a:rPr lang="en-US" sz="2400" b="0" i="1" dirty="0" smtClean="0">
                               <a:solidFill>
                                 <a:srgbClr val="C00000"/>
                               </a:solidFill>
@@ -3578,7 +3586,7 @@
                             <m:accPr>
                               <m:chr m:val="⃗"/>
                               <m:ctrlPr>
-                                <a:rPr lang="en-US" sz="4000" i="1" dirty="0" smtClean="0">
+                                <a:rPr lang="en-US" sz="2400" i="1" dirty="0" smtClean="0">
                                   <a:solidFill>
                                     <a:srgbClr val="C00000"/>
                                   </a:solidFill>
@@ -3588,7 +3596,7 @@
                             </m:accPr>
                             <m:e>
                               <m:r>
-                                <a:rPr lang="en-US" sz="4000" b="0" i="1" dirty="0" smtClean="0">
+                                <a:rPr lang="en-US" sz="2400" b="0" i="1" dirty="0" smtClean="0">
                                   <a:solidFill>
                                     <a:srgbClr val="C00000"/>
                                   </a:solidFill>
@@ -3601,7 +3609,7 @@
                         </m:e>
                         <m:sup>
                           <m:r>
-                            <a:rPr lang="en-US" sz="4000" b="0" i="1" dirty="0" smtClean="0">
+                            <a:rPr lang="en-US" sz="2400" b="0" i="1" dirty="0" smtClean="0">
                               <a:solidFill>
                                 <a:srgbClr val="C00000"/>
                               </a:solidFill>
@@ -3614,6 +3622,7 @@
                     </m:oMath>
                   </m:oMathPara>
                 </a14:m>
+                <a:endParaRPr sz="1100" dirty="0"/>
               </a:p>
             </p:txBody>
           </p:sp>
@@ -3635,8 +3644,8 @@
             </p:nvSpPr>
             <p:spPr>
               <a:xfrm>
-                <a:off x="3999745" y="4632326"/>
-                <a:ext cx="527179" cy="615553"/>
+                <a:off x="3999745" y="4646233"/>
+                <a:ext cx="527179" cy="369332"/>
               </a:xfrm>
               <a:prstGeom prst="rect">
                 <a:avLst/>
@@ -3644,7 +3653,7 @@
               <a:blipFill>
                 <a:blip r:embed="rId4"/>
                 <a:stretch>
-                  <a:fillRect l="-32558" t="-36000" r="-76744" b="-48000"/>
+                  <a:fillRect t="-38710"/>
                 </a:stretch>
               </a:blipFill>
             </p:spPr>
@@ -3679,8 +3688,8 @@
             </p:nvSpPr>
             <p:spPr>
               <a:xfrm>
-                <a:off x="4851755" y="2316163"/>
-                <a:ext cx="527179" cy="615553"/>
+                <a:off x="5045535" y="2639503"/>
+                <a:ext cx="527179" cy="369332"/>
               </a:xfrm>
               <a:prstGeom prst="rect">
                 <a:avLst/>
@@ -3695,6 +3704,7 @@
               </a:bodyPr>
               <a:lstStyle/>
               <a:p>
+                <a:pPr/>
                 <a14:m>
                   <m:oMathPara xmlns:m="http://schemas.openxmlformats.org/officeDocument/2006/math">
                     <m:oMathParaPr>
@@ -3704,7 +3714,7 @@
                       <m:sSup>
                         <m:sSupPr>
                           <m:ctrlPr>
-                            <a:rPr lang="en-US" sz="4000" b="0" i="1" dirty="0" smtClean="0">
+                            <a:rPr lang="en-US" sz="2400" b="0" i="1" dirty="0" smtClean="0">
                               <a:solidFill>
                                 <a:srgbClr val="C00000"/>
                               </a:solidFill>
@@ -3717,7 +3727,7 @@
                             <m:accPr>
                               <m:chr m:val="⃗"/>
                               <m:ctrlPr>
-                                <a:rPr lang="en-US" sz="4000" i="1" dirty="0" smtClean="0">
+                                <a:rPr lang="en-US" sz="2400" i="1" dirty="0" smtClean="0">
                                   <a:solidFill>
                                     <a:srgbClr val="C00000"/>
                                   </a:solidFill>
@@ -3727,7 +3737,7 @@
                             </m:accPr>
                             <m:e>
                               <m:r>
-                                <a:rPr lang="en-US" sz="4000" b="0" i="1" dirty="0" smtClean="0">
+                                <a:rPr lang="en-US" sz="2400" b="0" i="1" dirty="0" smtClean="0">
                                   <a:solidFill>
                                     <a:srgbClr val="C00000"/>
                                   </a:solidFill>
@@ -3740,7 +3750,7 @@
                         </m:e>
                         <m:sup>
                           <m:r>
-                            <a:rPr lang="en-US" sz="4000" b="0" i="1" dirty="0" smtClean="0">
+                            <a:rPr lang="en-US" sz="2400" b="0" i="1" dirty="0" smtClean="0">
                               <a:solidFill>
                                 <a:srgbClr val="C00000"/>
                               </a:solidFill>
@@ -3753,6 +3763,7 @@
                     </m:oMath>
                   </m:oMathPara>
                 </a14:m>
+                <a:endParaRPr sz="1100" dirty="0"/>
               </a:p>
             </p:txBody>
           </p:sp>
@@ -3774,8 +3785,8 @@
             </p:nvSpPr>
             <p:spPr>
               <a:xfrm>
-                <a:off x="4851755" y="2316163"/>
-                <a:ext cx="527179" cy="615553"/>
+                <a:off x="5045535" y="2639503"/>
+                <a:ext cx="527179" cy="369332"/>
               </a:xfrm>
               <a:prstGeom prst="rect">
                 <a:avLst/>
@@ -3783,7 +3794,7 @@
               <a:blipFill>
                 <a:blip r:embed="rId5"/>
                 <a:stretch>
-                  <a:fillRect l="-33333" t="-36735" r="-78571" b="-51020"/>
+                  <a:fillRect t="-38710" b="-3226"/>
                 </a:stretch>
               </a:blipFill>
             </p:spPr>
@@ -3818,8 +3829,8 @@
             </p:nvSpPr>
             <p:spPr>
               <a:xfrm>
-                <a:off x="7172241" y="3898808"/>
-                <a:ext cx="527179" cy="615553"/>
+                <a:off x="7133603" y="3786824"/>
+                <a:ext cx="527179" cy="369332"/>
               </a:xfrm>
               <a:prstGeom prst="rect">
                 <a:avLst/>
@@ -3834,6 +3845,7 @@
               </a:bodyPr>
               <a:lstStyle/>
               <a:p>
+                <a:pPr/>
                 <a14:m>
                   <m:oMathPara xmlns:m="http://schemas.openxmlformats.org/officeDocument/2006/math">
                     <m:oMathParaPr>
@@ -3843,7 +3855,7 @@
                       <m:sSup>
                         <m:sSupPr>
                           <m:ctrlPr>
-                            <a:rPr lang="en-US" sz="4000" b="0" i="1" dirty="0" smtClean="0">
+                            <a:rPr lang="en-US" sz="2400" b="0" i="1" dirty="0" smtClean="0">
                               <a:solidFill>
                                 <a:srgbClr val="C00000"/>
                               </a:solidFill>
@@ -3856,7 +3868,7 @@
                             <m:accPr>
                               <m:chr m:val="⃗"/>
                               <m:ctrlPr>
-                                <a:rPr lang="en-US" sz="4000" i="1" dirty="0" smtClean="0">
+                                <a:rPr lang="en-US" sz="2400" i="1" dirty="0" smtClean="0">
                                   <a:solidFill>
                                     <a:srgbClr val="C00000"/>
                                   </a:solidFill>
@@ -3866,7 +3878,7 @@
                             </m:accPr>
                             <m:e>
                               <m:r>
-                                <a:rPr lang="en-US" sz="4000" b="0" i="1" dirty="0" smtClean="0">
+                                <a:rPr lang="en-US" sz="2400" b="0" i="1" dirty="0" smtClean="0">
                                   <a:solidFill>
                                     <a:srgbClr val="C00000"/>
                                   </a:solidFill>
@@ -3879,7 +3891,7 @@
                         </m:e>
                         <m:sup>
                           <m:r>
-                            <a:rPr lang="en-US" sz="4000" b="0" i="1" dirty="0" smtClean="0">
+                            <a:rPr lang="en-US" sz="2400" b="0" i="1" dirty="0" smtClean="0">
                               <a:solidFill>
                                 <a:srgbClr val="C00000"/>
                               </a:solidFill>
@@ -3892,6 +3904,7 @@
                     </m:oMath>
                   </m:oMathPara>
                 </a14:m>
+                <a:endParaRPr sz="1100" dirty="0"/>
               </a:p>
             </p:txBody>
           </p:sp>
@@ -3913,8 +3926,8 @@
             </p:nvSpPr>
             <p:spPr>
               <a:xfrm>
-                <a:off x="7172241" y="3898808"/>
-                <a:ext cx="527179" cy="615553"/>
+                <a:off x="7133603" y="3786824"/>
+                <a:ext cx="527179" cy="369332"/>
               </a:xfrm>
               <a:prstGeom prst="rect">
                 <a:avLst/>
@@ -3922,7 +3935,7 @@
               <a:blipFill>
                 <a:blip r:embed="rId6"/>
                 <a:stretch>
-                  <a:fillRect l="-30233" t="-38776" r="-76744" b="-51020"/>
+                  <a:fillRect t="-40000" b="-3333"/>
                 </a:stretch>
               </a:blipFill>
             </p:spPr>
@@ -3957,8 +3970,8 @@
             </p:nvSpPr>
             <p:spPr>
               <a:xfrm>
-                <a:off x="7133604" y="1844080"/>
-                <a:ext cx="527179" cy="615553"/>
+                <a:off x="7066992" y="2122639"/>
+                <a:ext cx="527179" cy="369332"/>
               </a:xfrm>
               <a:prstGeom prst="rect">
                 <a:avLst/>
@@ -3973,6 +3986,7 @@
               </a:bodyPr>
               <a:lstStyle/>
               <a:p>
+                <a:pPr/>
                 <a14:m>
                   <m:oMathPara xmlns:m="http://schemas.openxmlformats.org/officeDocument/2006/math">
                     <m:oMathParaPr>
@@ -3982,7 +3996,7 @@
                       <m:sSup>
                         <m:sSupPr>
                           <m:ctrlPr>
-                            <a:rPr lang="en-US" sz="4000" b="0" i="1" dirty="0" smtClean="0">
+                            <a:rPr lang="en-US" sz="2400" b="0" i="1" dirty="0" smtClean="0">
                               <a:solidFill>
                                 <a:srgbClr val="C00000"/>
                               </a:solidFill>
@@ -3995,7 +4009,7 @@
                             <m:accPr>
                               <m:chr m:val="⃗"/>
                               <m:ctrlPr>
-                                <a:rPr lang="en-US" sz="4000" i="1" dirty="0" smtClean="0">
+                                <a:rPr lang="en-US" sz="2400" i="1" dirty="0" smtClean="0">
                                   <a:solidFill>
                                     <a:srgbClr val="C00000"/>
                                   </a:solidFill>
@@ -4005,7 +4019,7 @@
                             </m:accPr>
                             <m:e>
                               <m:r>
-                                <a:rPr lang="en-US" sz="4000" b="0" i="1" dirty="0" smtClean="0">
+                                <a:rPr lang="en-US" sz="2400" b="0" i="1" dirty="0" smtClean="0">
                                   <a:solidFill>
                                     <a:srgbClr val="C00000"/>
                                   </a:solidFill>
@@ -4018,7 +4032,7 @@
                         </m:e>
                         <m:sup>
                           <m:r>
-                            <a:rPr lang="en-US" sz="4000" b="0" i="1" dirty="0" smtClean="0">
+                            <a:rPr lang="en-US" sz="2400" b="0" i="1" dirty="0" smtClean="0">
                               <a:solidFill>
                                 <a:srgbClr val="C00000"/>
                               </a:solidFill>
@@ -4031,6 +4045,7 @@
                     </m:oMath>
                   </m:oMathPara>
                 </a14:m>
+                <a:endParaRPr sz="1100" dirty="0"/>
               </a:p>
             </p:txBody>
           </p:sp>
@@ -4052,8 +4067,8 @@
             </p:nvSpPr>
             <p:spPr>
               <a:xfrm>
-                <a:off x="7133604" y="1844080"/>
-                <a:ext cx="527179" cy="615553"/>
+                <a:off x="7066992" y="2122639"/>
+                <a:ext cx="527179" cy="369332"/>
               </a:xfrm>
               <a:prstGeom prst="rect">
                 <a:avLst/>
@@ -4061,7 +4076,7 @@
               <a:blipFill>
                 <a:blip r:embed="rId7"/>
                 <a:stretch>
-                  <a:fillRect l="-27907" t="-40816" r="-74419" b="-48980"/>
+                  <a:fillRect t="-40000" b="-3333"/>
                 </a:stretch>
               </a:blipFill>
             </p:spPr>
@@ -4095,9 +4110,9 @@
               <p:nvPr/>
             </p:nvSpPr>
             <p:spPr>
-              <a:xfrm>
-                <a:off x="5401311" y="3732257"/>
-                <a:ext cx="1141242" cy="706540"/>
+              <a:xfrm rot="1325887">
+                <a:off x="5647963" y="2997086"/>
+                <a:ext cx="1141242" cy="423899"/>
               </a:xfrm>
               <a:prstGeom prst="rect">
                 <a:avLst/>
@@ -4112,6 +4127,7 @@
               </a:bodyPr>
               <a:lstStyle/>
               <a:p>
+                <a:pPr/>
                 <a14:m>
                   <m:oMathPara xmlns:m="http://schemas.openxmlformats.org/officeDocument/2006/math">
                     <m:oMathParaPr>
@@ -4121,7 +4137,7 @@
                       <m:sSup>
                         <m:sSupPr>
                           <m:ctrlPr>
-                            <a:rPr lang="en-US" sz="4000" b="0" i="1" dirty="0" smtClean="0">
+                            <a:rPr lang="en-US" sz="2400" b="0" i="1" dirty="0" smtClean="0">
                               <a:solidFill>
                                 <a:srgbClr val="C00000"/>
                               </a:solidFill>
@@ -4133,7 +4149,7 @@
                           <m:sSup>
                             <m:sSupPr>
                               <m:ctrlPr>
-                                <a:rPr lang="en-US" sz="4000" b="0" i="1" dirty="0" smtClean="0">
+                                <a:rPr lang="en-US" sz="2400" b="0" i="1" dirty="0" smtClean="0">
                                   <a:solidFill>
                                     <a:srgbClr val="C00000"/>
                                   </a:solidFill>
@@ -4143,7 +4159,7 @@
                             </m:sSupPr>
                             <m:e>
                               <m:r>
-                                <a:rPr lang="en-US" sz="4000" b="0" i="1" dirty="0" smtClean="0">
+                                <a:rPr lang="en-US" sz="2400" b="0" i="1" dirty="0" smtClean="0">
                                   <a:solidFill>
                                     <a:srgbClr val="C00000"/>
                                   </a:solidFill>
@@ -4154,7 +4170,7 @@
                             </m:e>
                             <m:sup>
                               <m:r>
-                                <a:rPr lang="en-US" sz="4000" b="0" i="1" dirty="0" smtClean="0">
+                                <a:rPr lang="en-US" sz="2400" b="0" i="1" dirty="0" smtClean="0">
                                   <a:solidFill>
                                     <a:srgbClr val="C00000"/>
                                   </a:solidFill>
@@ -4168,7 +4184,7 @@
                             <m:accPr>
                               <m:chr m:val="⃗"/>
                               <m:ctrlPr>
-                                <a:rPr lang="en-US" sz="4000" i="1" dirty="0" smtClean="0">
+                                <a:rPr lang="en-US" sz="2400" i="1" dirty="0" smtClean="0">
                                   <a:solidFill>
                                     <a:srgbClr val="C00000"/>
                                   </a:solidFill>
@@ -4178,7 +4194,7 @@
                             </m:accPr>
                             <m:e>
                               <m:r>
-                                <a:rPr lang="en-US" sz="4000" b="0" i="1" dirty="0" smtClean="0">
+                                <a:rPr lang="en-US" sz="2400" b="0" i="1" dirty="0" smtClean="0">
                                   <a:solidFill>
                                     <a:srgbClr val="C00000"/>
                                   </a:solidFill>
@@ -4191,7 +4207,7 @@
                         </m:e>
                         <m:sup>
                           <m:r>
-                            <a:rPr lang="en-US" sz="4000" b="0" i="1" dirty="0" smtClean="0">
+                            <a:rPr lang="en-US" sz="2400" b="0" i="1" dirty="0" smtClean="0">
                               <a:solidFill>
                                 <a:srgbClr val="C00000"/>
                               </a:solidFill>
@@ -4204,6 +4220,7 @@
                     </m:oMath>
                   </m:oMathPara>
                 </a14:m>
+                <a:endParaRPr sz="1100" dirty="0"/>
               </a:p>
             </p:txBody>
           </p:sp>
@@ -4224,9 +4241,9 @@
               <p:nvPr/>
             </p:nvSpPr>
             <p:spPr>
-              <a:xfrm>
-                <a:off x="5401311" y="3732257"/>
-                <a:ext cx="1141242" cy="706540"/>
+              <a:xfrm rot="1325887">
+                <a:off x="5647963" y="2997086"/>
+                <a:ext cx="1141242" cy="423899"/>
               </a:xfrm>
               <a:prstGeom prst="rect">
                 <a:avLst/>
@@ -4234,7 +4251,7 @@
               <a:blipFill>
                 <a:blip r:embed="rId8"/>
                 <a:stretch>
-                  <a:fillRect l="-8791" t="-35088" r="-34066" b="-42105"/>
+                  <a:fillRect/>
                 </a:stretch>
               </a:blipFill>
             </p:spPr>
@@ -4269,8 +4286,8 @@
             </p:nvSpPr>
             <p:spPr>
               <a:xfrm>
-                <a:off x="3128774" y="498553"/>
-                <a:ext cx="3629308" cy="706540"/>
+                <a:off x="2913245" y="523526"/>
+                <a:ext cx="2615544" cy="423899"/>
               </a:xfrm>
               <a:prstGeom prst="rect">
                 <a:avLst/>
@@ -4285,6 +4302,7 @@
               </a:bodyPr>
               <a:lstStyle/>
               <a:p>
+                <a:pPr/>
                 <a14:m>
                   <m:oMathPara xmlns:m="http://schemas.openxmlformats.org/officeDocument/2006/math">
                     <m:oMathParaPr>
@@ -4294,7 +4312,7 @@
                       <m:sSup>
                         <m:sSupPr>
                           <m:ctrlPr>
-                            <a:rPr lang="en-US" sz="4000" b="0" i="1" dirty="0" smtClean="0">
+                            <a:rPr lang="en-US" sz="2400" b="0" i="1" dirty="0" smtClean="0">
                               <a:solidFill>
                                 <a:srgbClr val="C00000"/>
                               </a:solidFill>
@@ -4306,7 +4324,7 @@
                           <m:sSup>
                             <m:sSupPr>
                               <m:ctrlPr>
-                                <a:rPr lang="en-US" sz="4000" b="0" i="1" dirty="0" smtClean="0">
+                                <a:rPr lang="en-US" sz="2400" b="0" i="1" dirty="0" smtClean="0">
                                   <a:solidFill>
                                     <a:srgbClr val="C00000"/>
                                   </a:solidFill>
@@ -4318,7 +4336,7 @@
                               <m:sSup>
                                 <m:sSupPr>
                                   <m:ctrlPr>
-                                    <a:rPr lang="en-US" sz="4000" b="0" i="1" dirty="0" smtClean="0">
+                                    <a:rPr lang="en-US" sz="2400" b="0" i="1" dirty="0" smtClean="0">
                                       <a:solidFill>
                                         <a:srgbClr val="C00000"/>
                                       </a:solidFill>
@@ -4331,7 +4349,7 @@
                                     <m:accPr>
                                       <m:chr m:val="⃗"/>
                                       <m:ctrlPr>
-                                        <a:rPr lang="en-US" sz="4000" i="1" dirty="0" smtClean="0">
+                                        <a:rPr lang="en-US" sz="2400" i="1" dirty="0" smtClean="0">
                                           <a:solidFill>
                                             <a:srgbClr val="C00000"/>
                                           </a:solidFill>
@@ -4341,7 +4359,7 @@
                                     </m:accPr>
                                     <m:e>
                                       <m:r>
-                                        <a:rPr lang="en-US" sz="4000" b="0" i="1" dirty="0" smtClean="0">
+                                        <a:rPr lang="en-US" sz="2400" b="0" i="1" dirty="0" smtClean="0">
                                           <a:solidFill>
                                             <a:srgbClr val="C00000"/>
                                           </a:solidFill>
@@ -4354,7 +4372,7 @@
                                 </m:e>
                                 <m:sup>
                                   <m:r>
-                                    <a:rPr lang="en-US" sz="4000" b="0" i="1" dirty="0" smtClean="0">
+                                    <a:rPr lang="en-US" sz="2400" b="0" i="1" dirty="0" smtClean="0">
                                       <a:solidFill>
                                         <a:srgbClr val="C00000"/>
                                       </a:solidFill>
@@ -4365,7 +4383,7 @@
                                 </m:sup>
                               </m:sSup>
                               <m:r>
-                                <a:rPr lang="en-US" sz="4000" b="0" i="1" dirty="0" smtClean="0">
+                                <a:rPr lang="en-US" sz="2400" b="0" i="1" dirty="0" smtClean="0">
                                   <a:solidFill>
                                     <a:srgbClr val="C00000"/>
                                   </a:solidFill>
@@ -4376,7 +4394,7 @@
                               <m:sSup>
                                 <m:sSupPr>
                                   <m:ctrlPr>
-                                    <a:rPr lang="en-US" sz="4000" b="0" i="1" dirty="0" smtClean="0">
+                                    <a:rPr lang="en-US" sz="2400" b="0" i="1" dirty="0" smtClean="0">
                                       <a:solidFill>
                                         <a:srgbClr val="C00000"/>
                                       </a:solidFill>
@@ -4389,7 +4407,7 @@
                                     <m:accPr>
                                       <m:chr m:val="⃗"/>
                                       <m:ctrlPr>
-                                        <a:rPr lang="en-US" sz="4000" i="1" dirty="0" smtClean="0">
+                                        <a:rPr lang="en-US" sz="2400" i="1" dirty="0" smtClean="0">
                                           <a:solidFill>
                                             <a:srgbClr val="C00000"/>
                                           </a:solidFill>
@@ -4399,7 +4417,7 @@
                                     </m:accPr>
                                     <m:e>
                                       <m:r>
-                                        <a:rPr lang="en-US" sz="4000" b="0" i="1" dirty="0" smtClean="0">
+                                        <a:rPr lang="en-US" sz="2400" b="0" i="1" dirty="0" smtClean="0">
                                           <a:solidFill>
                                             <a:srgbClr val="C00000"/>
                                           </a:solidFill>
@@ -4412,7 +4430,7 @@
                                 </m:e>
                                 <m:sup>
                                   <m:r>
-                                    <a:rPr lang="en-US" sz="4000" b="0" i="1" dirty="0" smtClean="0">
+                                    <a:rPr lang="en-US" sz="2400" b="0" i="1" dirty="0" smtClean="0">
                                       <a:solidFill>
                                         <a:srgbClr val="C00000"/>
                                       </a:solidFill>
@@ -4423,7 +4441,7 @@
                                 </m:sup>
                               </m:sSup>
                               <m:r>
-                                <a:rPr lang="en-US" sz="4000" b="0" i="1" dirty="0" smtClean="0">
+                                <a:rPr lang="en-US" sz="2400" b="0" i="1" dirty="0" smtClean="0">
                                   <a:solidFill>
                                     <a:srgbClr val="C00000"/>
                                   </a:solidFill>
@@ -4432,7 +4450,7 @@
                                 <m:t>+</m:t>
                               </m:r>
                               <m:r>
-                                <a:rPr lang="en-US" sz="4000" b="0" i="1" dirty="0" smtClean="0">
+                                <a:rPr lang="en-US" sz="2400" b="0" i="1" dirty="0" smtClean="0">
                                   <a:solidFill>
                                     <a:srgbClr val="C00000"/>
                                   </a:solidFill>
@@ -4443,7 +4461,7 @@
                             </m:e>
                             <m:sup>
                               <m:r>
-                                <a:rPr lang="en-US" sz="4000" b="0" i="1" dirty="0" smtClean="0">
+                                <a:rPr lang="en-US" sz="2400" b="0" i="1" dirty="0" smtClean="0">
                                   <a:solidFill>
                                     <a:srgbClr val="C00000"/>
                                   </a:solidFill>
@@ -4457,7 +4475,7 @@
                             <m:accPr>
                               <m:chr m:val="⃗"/>
                               <m:ctrlPr>
-                                <a:rPr lang="en-US" sz="4000" i="1" dirty="0" smtClean="0">
+                                <a:rPr lang="en-US" sz="2400" i="1" dirty="0" smtClean="0">
                                   <a:solidFill>
                                     <a:srgbClr val="C00000"/>
                                   </a:solidFill>
@@ -4467,7 +4485,7 @@
                             </m:accPr>
                             <m:e>
                               <m:r>
-                                <a:rPr lang="en-US" sz="4000" b="0" i="1" dirty="0" smtClean="0">
+                                <a:rPr lang="en-US" sz="2400" b="0" i="1" dirty="0" smtClean="0">
                                   <a:solidFill>
                                     <a:srgbClr val="C00000"/>
                                   </a:solidFill>
@@ -4480,7 +4498,7 @@
                         </m:e>
                         <m:sup>
                           <m:r>
-                            <a:rPr lang="en-US" sz="4000" b="0" i="1" dirty="0" smtClean="0">
+                            <a:rPr lang="en-US" sz="2400" b="0" i="1" dirty="0" smtClean="0">
                               <a:solidFill>
                                 <a:srgbClr val="C00000"/>
                               </a:solidFill>
@@ -4493,6 +4511,7 @@
                     </m:oMath>
                   </m:oMathPara>
                 </a14:m>
+                <a:endParaRPr sz="1100" dirty="0"/>
               </a:p>
             </p:txBody>
           </p:sp>
@@ -4514,8 +4533,8 @@
             </p:nvSpPr>
             <p:spPr>
               <a:xfrm>
-                <a:off x="3128774" y="498553"/>
-                <a:ext cx="3629308" cy="706540"/>
+                <a:off x="2913245" y="523526"/>
+                <a:ext cx="2615544" cy="423899"/>
               </a:xfrm>
               <a:prstGeom prst="rect">
                 <a:avLst/>
@@ -4523,7 +4542,7 @@
               <a:blipFill>
                 <a:blip r:embed="rId9"/>
                 <a:stretch>
-                  <a:fillRect l="-2091" t="-35088" r="-8711" b="-42105"/>
+                  <a:fillRect t="-38235" b="-5882"/>
                 </a:stretch>
               </a:blipFill>
             </p:spPr>
@@ -4558,8 +4577,8 @@
             </p:nvSpPr>
             <p:spPr>
               <a:xfrm>
-                <a:off x="3118458" y="1200135"/>
-                <a:ext cx="3629308" cy="706540"/>
+                <a:off x="2913245" y="922471"/>
+                <a:ext cx="2615544" cy="423899"/>
               </a:xfrm>
               <a:prstGeom prst="rect">
                 <a:avLst/>
@@ -4574,6 +4593,7 @@
               </a:bodyPr>
               <a:lstStyle/>
               <a:p>
+                <a:pPr/>
                 <a14:m>
                   <m:oMathPara xmlns:m="http://schemas.openxmlformats.org/officeDocument/2006/math">
                     <m:oMathParaPr>
@@ -4583,7 +4603,7 @@
                       <m:sSup>
                         <m:sSupPr>
                           <m:ctrlPr>
-                            <a:rPr lang="en-US" sz="4000" b="0" i="1" dirty="0" smtClean="0">
+                            <a:rPr lang="en-US" sz="2400" b="0" i="1" dirty="0" smtClean="0">
                               <a:solidFill>
                                 <a:srgbClr val="C00000"/>
                               </a:solidFill>
@@ -4595,7 +4615,7 @@
                           <m:sSup>
                             <m:sSupPr>
                               <m:ctrlPr>
-                                <a:rPr lang="en-US" sz="4000" b="0" i="1" dirty="0" smtClean="0">
+                                <a:rPr lang="en-US" sz="2400" b="0" i="1" dirty="0" smtClean="0">
                                   <a:solidFill>
                                     <a:srgbClr val="C00000"/>
                                   </a:solidFill>
@@ -4607,7 +4627,7 @@
                               <m:sSup>
                                 <m:sSupPr>
                                   <m:ctrlPr>
-                                    <a:rPr lang="en-US" sz="4000" b="0" i="1" dirty="0" smtClean="0">
+                                    <a:rPr lang="en-US" sz="2400" b="0" i="1" dirty="0" smtClean="0">
                                       <a:solidFill>
                                         <a:srgbClr val="C00000"/>
                                       </a:solidFill>
@@ -4620,7 +4640,7 @@
                                     <m:accPr>
                                       <m:chr m:val="⃗"/>
                                       <m:ctrlPr>
-                                        <a:rPr lang="en-US" sz="4000" i="1" dirty="0" smtClean="0">
+                                        <a:rPr lang="en-US" sz="2400" i="1" dirty="0" smtClean="0">
                                           <a:solidFill>
                                             <a:srgbClr val="C00000"/>
                                           </a:solidFill>
@@ -4630,7 +4650,7 @@
                                     </m:accPr>
                                     <m:e>
                                       <m:r>
-                                        <a:rPr lang="en-US" sz="4000" b="0" i="1" dirty="0" smtClean="0">
+                                        <a:rPr lang="en-US" sz="2400" b="0" i="1" dirty="0" smtClean="0">
                                           <a:solidFill>
                                             <a:srgbClr val="C00000"/>
                                           </a:solidFill>
@@ -4643,7 +4663,7 @@
                                 </m:e>
                                 <m:sup>
                                   <m:r>
-                                    <a:rPr lang="en-US" sz="4000" b="0" i="1" dirty="0" smtClean="0">
+                                    <a:rPr lang="en-US" sz="2400" b="0" i="1" dirty="0" smtClean="0">
                                       <a:solidFill>
                                         <a:srgbClr val="C00000"/>
                                       </a:solidFill>
@@ -4654,7 +4674,7 @@
                                 </m:sup>
                               </m:sSup>
                               <m:r>
-                                <a:rPr lang="en-US" sz="4000" b="0" i="1" dirty="0" smtClean="0">
+                                <a:rPr lang="en-US" sz="2400" b="0" i="1" dirty="0" smtClean="0">
                                   <a:solidFill>
                                     <a:srgbClr val="C00000"/>
                                   </a:solidFill>
@@ -4665,7 +4685,7 @@
                               <m:sSup>
                                 <m:sSupPr>
                                   <m:ctrlPr>
-                                    <a:rPr lang="en-US" sz="4000" b="0" i="1" dirty="0" smtClean="0">
+                                    <a:rPr lang="en-US" sz="2400" b="0" i="1" dirty="0" smtClean="0">
                                       <a:solidFill>
                                         <a:srgbClr val="C00000"/>
                                       </a:solidFill>
@@ -4678,7 +4698,7 @@
                                     <m:accPr>
                                       <m:chr m:val="⃗"/>
                                       <m:ctrlPr>
-                                        <a:rPr lang="en-US" sz="4000" i="1" dirty="0" smtClean="0">
+                                        <a:rPr lang="en-US" sz="2400" i="1" dirty="0" smtClean="0">
                                           <a:solidFill>
                                             <a:srgbClr val="C00000"/>
                                           </a:solidFill>
@@ -4688,7 +4708,7 @@
                                     </m:accPr>
                                     <m:e>
                                       <m:r>
-                                        <a:rPr lang="en-US" sz="4000" b="0" i="1" dirty="0" smtClean="0">
+                                        <a:rPr lang="en-US" sz="2400" b="0" i="1" dirty="0" smtClean="0">
                                           <a:solidFill>
                                             <a:srgbClr val="C00000"/>
                                           </a:solidFill>
@@ -4701,7 +4721,7 @@
                                 </m:e>
                                 <m:sup>
                                   <m:r>
-                                    <a:rPr lang="en-US" sz="4000" b="0" i="1" dirty="0" smtClean="0">
+                                    <a:rPr lang="en-US" sz="2400" b="0" i="1" dirty="0" smtClean="0">
                                       <a:solidFill>
                                         <a:srgbClr val="C00000"/>
                                       </a:solidFill>
@@ -4712,7 +4732,7 @@
                                 </m:sup>
                               </m:sSup>
                               <m:r>
-                                <a:rPr lang="en-US" sz="4000" b="0" i="1" dirty="0" smtClean="0">
+                                <a:rPr lang="en-US" sz="2400" b="0" i="1" dirty="0" smtClean="0">
                                   <a:solidFill>
                                     <a:srgbClr val="C00000"/>
                                   </a:solidFill>
@@ -4721,7 +4741,7 @@
                                 <m:t>+</m:t>
                               </m:r>
                               <m:r>
-                                <a:rPr lang="en-US" sz="4000" b="0" i="1" dirty="0" smtClean="0">
+                                <a:rPr lang="en-US" sz="2400" b="0" i="1" dirty="0" smtClean="0">
                                   <a:solidFill>
                                     <a:srgbClr val="C00000"/>
                                   </a:solidFill>
@@ -4732,7 +4752,7 @@
                             </m:e>
                             <m:sup>
                               <m:r>
-                                <a:rPr lang="en-US" sz="4000" b="0" i="1" dirty="0" smtClean="0">
+                                <a:rPr lang="en-US" sz="2400" b="0" i="1" dirty="0" smtClean="0">
                                   <a:solidFill>
                                     <a:srgbClr val="C00000"/>
                                   </a:solidFill>
@@ -4746,7 +4766,7 @@
                             <m:accPr>
                               <m:chr m:val="⃗"/>
                               <m:ctrlPr>
-                                <a:rPr lang="en-US" sz="4000" i="1" dirty="0" smtClean="0">
+                                <a:rPr lang="en-US" sz="2400" i="1" dirty="0" smtClean="0">
                                   <a:solidFill>
                                     <a:srgbClr val="C00000"/>
                                   </a:solidFill>
@@ -4756,7 +4776,7 @@
                             </m:accPr>
                             <m:e>
                               <m:r>
-                                <a:rPr lang="en-US" sz="4000" b="0" i="1" dirty="0" smtClean="0">
+                                <a:rPr lang="en-US" sz="2400" b="0" i="1" dirty="0" smtClean="0">
                                   <a:solidFill>
                                     <a:srgbClr val="C00000"/>
                                   </a:solidFill>
@@ -4769,7 +4789,7 @@
                         </m:e>
                         <m:sup>
                           <m:r>
-                            <a:rPr lang="en-US" sz="4000" b="0" i="1" dirty="0" smtClean="0">
+                            <a:rPr lang="en-US" sz="2400" b="0" i="1" dirty="0" smtClean="0">
                               <a:solidFill>
                                 <a:srgbClr val="C00000"/>
                               </a:solidFill>
@@ -4782,6 +4802,7 @@
                     </m:oMath>
                   </m:oMathPara>
                 </a14:m>
+                <a:endParaRPr sz="1100" dirty="0"/>
               </a:p>
             </p:txBody>
           </p:sp>
@@ -4803,8 +4824,8 @@
             </p:nvSpPr>
             <p:spPr>
               <a:xfrm>
-                <a:off x="3118458" y="1200135"/>
-                <a:ext cx="3629308" cy="706540"/>
+                <a:off x="2913245" y="922471"/>
+                <a:ext cx="2615544" cy="423899"/>
               </a:xfrm>
               <a:prstGeom prst="rect">
                 <a:avLst/>
@@ -4812,7 +4833,7 @@
               <a:blipFill>
                 <a:blip r:embed="rId10"/>
                 <a:stretch>
-                  <a:fillRect l="-1742" t="-35088" r="-8362" b="-42105"/>
+                  <a:fillRect t="-34286" b="-5714"/>
                 </a:stretch>
               </a:blipFill>
             </p:spPr>
